--- a/暑假第4次會議.pptx
+++ b/暑假第4次會議.pptx
@@ -5,9 +5,10 @@
     <p:sldMasterId id="2147483672" r:id="rId4"/>
   </p:sldMasterIdLst>
   <p:sldIdLst>
-    <p:sldId id="256" r:id="rId5"/>
-    <p:sldId id="260" r:id="rId6"/>
+    <p:sldId id="263" r:id="rId5"/>
+    <p:sldId id="262" r:id="rId6"/>
     <p:sldId id="259" r:id="rId7"/>
+    <p:sldId id="261" r:id="rId8"/>
   </p:sldIdLst>
   <p:sldSz cx="12192000" cy="6858000"/>
   <p:notesSz cx="6858000" cy="9144000"/>
@@ -393,7 +394,7 @@
           <a:p>
             <a:fld id="{6BCD8E05-CB2E-4D8C-8649-F196AC579A59}" type="datetimeFigureOut">
               <a:rPr lang="zh-TW" altLang="en-US" smtClean="0"/>
-              <a:t>2019/8/1</a:t>
+              <a:t>2019/8/5</a:t>
             </a:fld>
             <a:endParaRPr lang="zh-TW" altLang="en-US"/>
           </a:p>
@@ -604,7 +605,7 @@
           <a:p>
             <a:fld id="{6BCD8E05-CB2E-4D8C-8649-F196AC579A59}" type="datetimeFigureOut">
               <a:rPr lang="zh-TW" altLang="en-US" smtClean="0"/>
-              <a:t>2019/8/1</a:t>
+              <a:t>2019/8/5</a:t>
             </a:fld>
             <a:endParaRPr lang="zh-TW" altLang="en-US"/>
           </a:p>
@@ -819,7 +820,7 @@
           <a:p>
             <a:fld id="{6BCD8E05-CB2E-4D8C-8649-F196AC579A59}" type="datetimeFigureOut">
               <a:rPr lang="zh-TW" altLang="en-US" smtClean="0"/>
-              <a:t>2019/8/1</a:t>
+              <a:t>2019/8/5</a:t>
             </a:fld>
             <a:endParaRPr lang="zh-TW" altLang="en-US"/>
           </a:p>
@@ -1020,7 +1021,7 @@
           <a:p>
             <a:fld id="{6BCD8E05-CB2E-4D8C-8649-F196AC579A59}" type="datetimeFigureOut">
               <a:rPr lang="zh-TW" altLang="en-US" smtClean="0"/>
-              <a:t>2019/8/1</a:t>
+              <a:t>2019/8/5</a:t>
             </a:fld>
             <a:endParaRPr lang="zh-TW" altLang="en-US"/>
           </a:p>
@@ -1299,7 +1300,7 @@
           <a:p>
             <a:fld id="{6BCD8E05-CB2E-4D8C-8649-F196AC579A59}" type="datetimeFigureOut">
               <a:rPr lang="zh-TW" altLang="en-US" smtClean="0"/>
-              <a:t>2019/8/1</a:t>
+              <a:t>2019/8/5</a:t>
             </a:fld>
             <a:endParaRPr lang="zh-TW" altLang="en-US"/>
           </a:p>
@@ -1567,7 +1568,7 @@
           <a:p>
             <a:fld id="{6BCD8E05-CB2E-4D8C-8649-F196AC579A59}" type="datetimeFigureOut">
               <a:rPr lang="zh-TW" altLang="en-US" smtClean="0"/>
-              <a:t>2019/8/1</a:t>
+              <a:t>2019/8/5</a:t>
             </a:fld>
             <a:endParaRPr lang="zh-TW" altLang="en-US"/>
           </a:p>
@@ -1983,7 +1984,7 @@
           <a:p>
             <a:fld id="{6BCD8E05-CB2E-4D8C-8649-F196AC579A59}" type="datetimeFigureOut">
               <a:rPr lang="zh-TW" altLang="en-US" smtClean="0"/>
-              <a:t>2019/8/1</a:t>
+              <a:t>2019/8/5</a:t>
             </a:fld>
             <a:endParaRPr lang="zh-TW" altLang="en-US"/>
           </a:p>
@@ -2132,7 +2133,7 @@
           <a:p>
             <a:fld id="{6BCD8E05-CB2E-4D8C-8649-F196AC579A59}" type="datetimeFigureOut">
               <a:rPr lang="zh-TW" altLang="en-US" smtClean="0"/>
-              <a:t>2019/8/1</a:t>
+              <a:t>2019/8/5</a:t>
             </a:fld>
             <a:endParaRPr lang="zh-TW" altLang="en-US"/>
           </a:p>
@@ -2258,7 +2259,7 @@
           <a:p>
             <a:fld id="{6BCD8E05-CB2E-4D8C-8649-F196AC579A59}" type="datetimeFigureOut">
               <a:rPr lang="zh-TW" altLang="en-US" smtClean="0"/>
-              <a:t>2019/8/1</a:t>
+              <a:t>2019/8/5</a:t>
             </a:fld>
             <a:endParaRPr lang="zh-TW" altLang="en-US"/>
           </a:p>
@@ -2509,7 +2510,7 @@
           <a:p>
             <a:fld id="{6BCD8E05-CB2E-4D8C-8649-F196AC579A59}" type="datetimeFigureOut">
               <a:rPr lang="zh-TW" altLang="en-US" smtClean="0"/>
-              <a:t>2019/8/1</a:t>
+              <a:t>2019/8/5</a:t>
             </a:fld>
             <a:endParaRPr lang="zh-TW" altLang="en-US"/>
           </a:p>
@@ -2954,7 +2955,7 @@
           <a:p>
             <a:fld id="{6BCD8E05-CB2E-4D8C-8649-F196AC579A59}" type="datetimeFigureOut">
               <a:rPr lang="zh-TW" altLang="en-US" smtClean="0"/>
-              <a:t>2019/8/1</a:t>
+              <a:t>2019/8/5</a:t>
             </a:fld>
             <a:endParaRPr lang="zh-TW" altLang="en-US"/>
           </a:p>
@@ -3281,7 +3282,7 @@
           <a:p>
             <a:fld id="{6BCD8E05-CB2E-4D8C-8649-F196AC579A59}" type="datetimeFigureOut">
               <a:rPr lang="zh-TW" altLang="en-US" smtClean="0"/>
-              <a:t>2019/8/1</a:t>
+              <a:t>2019/8/5</a:t>
             </a:fld>
             <a:endParaRPr lang="zh-TW" altLang="en-US"/>
           </a:p>
@@ -3839,13 +3840,20 @@
     </p:spTree>
     <p:extLst>
       <p:ext uri="{BB962C8B-B14F-4D97-AF65-F5344CB8AC3E}">
-        <p14:creationId xmlns:p14="http://schemas.microsoft.com/office/powerpoint/2010/main" val="4078460118"/>
+        <p14:creationId xmlns:p14="http://schemas.microsoft.com/office/powerpoint/2010/main" val="1488554260"/>
       </p:ext>
     </p:extLst>
   </p:cSld>
   <p:clrMapOvr>
     <a:masterClrMapping/>
   </p:clrMapOvr>
+  <p:timing>
+    <p:tnLst>
+      <p:par>
+        <p:cTn id="1" dur="indefinite" restart="never" nodeType="tmRoot"/>
+      </p:par>
+    </p:tnLst>
+  </p:timing>
 </p:sld>
 </file>
 
@@ -3930,13 +3938,20 @@
     </p:spTree>
     <p:extLst>
       <p:ext uri="{BB962C8B-B14F-4D97-AF65-F5344CB8AC3E}">
-        <p14:creationId xmlns:p14="http://schemas.microsoft.com/office/powerpoint/2010/main" val="1612826964"/>
+        <p14:creationId xmlns:p14="http://schemas.microsoft.com/office/powerpoint/2010/main" val="2122402672"/>
       </p:ext>
     </p:extLst>
   </p:cSld>
   <p:clrMapOvr>
     <a:masterClrMapping/>
   </p:clrMapOvr>
+  <p:timing>
+    <p:tnLst>
+      <p:par>
+        <p:cTn id="1" dur="indefinite" restart="never" nodeType="tmRoot"/>
+      </p:par>
+    </p:tnLst>
+  </p:timing>
 </p:sld>
 </file>
 
@@ -3959,27 +3974,21 @@
       </p:grpSpPr>
       <p:pic>
         <p:nvPicPr>
-          <p:cNvPr id="4" name="圖片 3" descr="畫面剪輯"/>
+          <p:cNvPr id="13" name="圖片 12"/>
           <p:cNvPicPr>
             <a:picLocks noChangeAspect="1"/>
           </p:cNvPicPr>
           <p:nvPr/>
         </p:nvPicPr>
         <p:blipFill rotWithShape="1">
-          <a:blip r:embed="rId2">
-            <a:extLst>
-              <a:ext uri="{28A0092B-C50C-407E-A947-70E740481C1C}">
-                <a14:useLocalDpi xmlns:a14="http://schemas.microsoft.com/office/drawing/2010/main" val="0"/>
-              </a:ext>
-            </a:extLst>
-          </a:blip>
-          <a:srcRect r="36019" b="488"/>
+          <a:blip r:embed="rId2"/>
+          <a:srcRect l="11598" t="12816" r="13738" b="26614"/>
           <a:stretch/>
         </p:blipFill>
         <p:spPr>
           <a:xfrm>
-            <a:off x="703912" y="3476995"/>
-            <a:ext cx="4169014" cy="2095049"/>
+            <a:off x="5966232" y="1560480"/>
+            <a:ext cx="6102036" cy="1961578"/>
           </a:xfrm>
           <a:prstGeom prst="rect">
             <a:avLst/>
@@ -3999,9 +4008,9 @@
           <p:nvPr/>
         </p:nvSpPr>
         <p:spPr>
-          <a:xfrm rot="540000">
-            <a:off x="3894302" y="2600912"/>
-            <a:ext cx="339300" cy="1656386"/>
+          <a:xfrm rot="16656554">
+            <a:off x="5922351" y="1030657"/>
+            <a:ext cx="343850" cy="1709360"/>
           </a:xfrm>
           <a:prstGeom prst="downArrow">
             <a:avLst/>
@@ -4072,15 +4081,161 @@
           </a:p>
         </p:txBody>
       </p:sp>
-      <p:pic>
-        <p:nvPicPr>
-          <p:cNvPr id="5" name="圖片 7" descr="一張含有 螢幕擷取畫面 的圖片&#10;&#10;描述是以非常高的可信度產生">
+      <p:sp>
+        <p:nvSpPr>
+          <p:cNvPr id="2" name="標題 1">
             <a:extLst>
               <a:ext uri="{FF2B5EF4-FFF2-40B4-BE49-F238E27FC236}">
-                <a16:creationId xmlns:a16="http://schemas.microsoft.com/office/drawing/2014/main" id="{7AB81F2B-B9D5-48F9-8C77-C7F824D5290C}"/>
+                <a16:creationId xmlns:a16="http://schemas.microsoft.com/office/drawing/2014/main" id="{6A31EC5B-0C67-4062-AAF5-F9058EE35C5D}"/>
               </a:ext>
             </a:extLst>
           </p:cNvPr>
+          <p:cNvSpPr>
+            <a:spLocks noGrp="1"/>
+          </p:cNvSpPr>
+          <p:nvPr>
+            <p:ph type="title"/>
+          </p:nvPr>
+        </p:nvSpPr>
+        <p:spPr>
+          <a:xfrm>
+            <a:off x="455196" y="512885"/>
+            <a:ext cx="8643154" cy="807109"/>
+          </a:xfrm>
+        </p:spPr>
+        <p:txBody>
+          <a:bodyPr>
+            <a:normAutofit/>
+          </a:bodyPr>
+          <a:lstStyle/>
+          <a:p>
+            <a:r>
+              <a:rPr lang="en-US" altLang="zh-TW" sz="4400" dirty="0">
+                <a:ea typeface="新細明體"/>
+              </a:rPr>
+              <a:t>(</a:t>
+            </a:r>
+            <a:r>
+              <a:rPr lang="en-US" altLang="zh-TW" sz="4400" dirty="0" smtClean="0">
+                <a:ea typeface="新細明體"/>
+              </a:rPr>
+              <a:t>2019/07/30-2019/08/06)</a:t>
+            </a:r>
+            <a:r>
+              <a:rPr lang="zh-TW" altLang="en-US" sz="4400" dirty="0">
+                <a:ea typeface="新細明體"/>
+              </a:rPr>
+              <a:t>進度：</a:t>
+            </a:r>
+          </a:p>
+        </p:txBody>
+      </p:sp>
+      <p:sp>
+        <p:nvSpPr>
+          <p:cNvPr id="3" name="內容版面配置區 2">
+            <a:extLst>
+              <a:ext uri="{FF2B5EF4-FFF2-40B4-BE49-F238E27FC236}">
+                <a16:creationId xmlns:a16="http://schemas.microsoft.com/office/drawing/2014/main" id="{301C4559-9A8D-4718-8525-03FFBE56A173}"/>
+              </a:ext>
+            </a:extLst>
+          </p:cNvPr>
+          <p:cNvSpPr>
+            <a:spLocks noGrp="1"/>
+          </p:cNvSpPr>
+          <p:nvPr>
+            <p:ph type="body" idx="1"/>
+          </p:nvPr>
+        </p:nvSpPr>
+        <p:spPr>
+          <a:xfrm>
+            <a:off x="621319" y="1463090"/>
+            <a:ext cx="8630446" cy="2168956"/>
+          </a:xfrm>
+        </p:spPr>
+        <p:txBody>
+          <a:bodyPr vert="horz" lIns="91440" tIns="45720" rIns="91440" bIns="45720" rtlCol="0" anchor="t">
+            <a:noAutofit/>
+          </a:bodyPr>
+          <a:lstStyle/>
+          <a:p>
+            <a:pPr marL="514350" indent="-514350">
+              <a:buFont typeface="+mj-lt"/>
+              <a:buAutoNum type="arabicPeriod"/>
+            </a:pPr>
+            <a:r>
+              <a:rPr lang="zh-TW" altLang="en-US" sz="3200" dirty="0" smtClean="0">
+                <a:ea typeface="新細明體"/>
+              </a:rPr>
+              <a:t>防止</a:t>
+            </a:r>
+            <a:r>
+              <a:rPr lang="en-US" altLang="zh-TW" sz="3200" dirty="0" smtClean="0">
+                <a:ea typeface="新細明體"/>
+              </a:rPr>
+              <a:t>UID</a:t>
+            </a:r>
+            <a:r>
+              <a:rPr lang="zh-TW" altLang="en-US" sz="3200" dirty="0" smtClean="0">
+                <a:ea typeface="新細明體"/>
+              </a:rPr>
+              <a:t>重複輸入功能</a:t>
+            </a:r>
+            <a:endParaRPr lang="en-US" altLang="zh-TW" sz="3200" dirty="0" smtClean="0">
+              <a:ea typeface="新細明體"/>
+            </a:endParaRPr>
+          </a:p>
+          <a:p>
+            <a:pPr marL="514350" indent="-514350">
+              <a:buFont typeface="+mj-lt"/>
+              <a:buAutoNum type="arabicPeriod"/>
+            </a:pPr>
+            <a:r>
+              <a:rPr lang="zh-TW" altLang="en-US" sz="3200" dirty="0" smtClean="0">
+                <a:ea typeface="新細明體"/>
+              </a:rPr>
+              <a:t>創建管理員職稱</a:t>
+            </a:r>
+            <a:endParaRPr lang="en-US" altLang="zh-TW" sz="3200" dirty="0" smtClean="0">
+              <a:ea typeface="新細明體"/>
+            </a:endParaRPr>
+          </a:p>
+          <a:p>
+            <a:pPr marL="514350" indent="-514350">
+              <a:buFont typeface="+mj-lt"/>
+              <a:buAutoNum type="arabicPeriod"/>
+            </a:pPr>
+            <a:r>
+              <a:rPr lang="zh-TW" altLang="en-US" sz="3200" dirty="0" smtClean="0">
+                <a:ea typeface="新細明體"/>
+              </a:rPr>
+              <a:t>指</a:t>
+            </a:r>
+            <a:r>
+              <a:rPr lang="zh-TW" altLang="en-US" sz="3200" dirty="0">
+                <a:ea typeface="新細明體"/>
+              </a:rPr>
+              <a:t>定</a:t>
+            </a:r>
+            <a:r>
+              <a:rPr lang="zh-TW" altLang="en-US" sz="3200" dirty="0" smtClean="0">
+                <a:ea typeface="新細明體"/>
+              </a:rPr>
+              <a:t>帳號為何種職位</a:t>
+            </a:r>
+            <a:endParaRPr lang="en-US" altLang="zh-TW" sz="3200" dirty="0">
+              <a:ea typeface="新細明體"/>
+            </a:endParaRPr>
+          </a:p>
+          <a:p>
+            <a:endParaRPr lang="zh-TW" altLang="en-US" sz="3200" dirty="0">
+              <a:ea typeface="新細明體"/>
+            </a:endParaRPr>
+          </a:p>
+        </p:txBody>
+      </p:sp>
+      <p:pic>
+        <p:nvPicPr>
+          <p:cNvPr id="8" name="圖片 7"/>
           <p:cNvPicPr>
             <a:picLocks noChangeAspect="1"/>
           </p:cNvPicPr>
@@ -4088,22 +4243,45 @@
         </p:nvPicPr>
         <p:blipFill rotWithShape="1">
           <a:blip r:embed="rId3"/>
-          <a:srcRect l="6656" t="14975" r="-325" b="33503"/>
+          <a:srcRect l="3620" t="28604" r="47602" b="23092"/>
           <a:stretch/>
         </p:blipFill>
         <p:spPr>
           <a:xfrm>
-            <a:off x="5095103" y="3488290"/>
-            <a:ext cx="5935757" cy="2087619"/>
+            <a:off x="5966232" y="3758642"/>
+            <a:ext cx="5073407" cy="2308634"/>
           </a:xfrm>
           <a:prstGeom prst="rect">
             <a:avLst/>
           </a:prstGeom>
         </p:spPr>
       </p:pic>
-      <p:sp>
-        <p:nvSpPr>
-          <p:cNvPr id="17" name="箭號: 向下 16">
+      <p:pic>
+        <p:nvPicPr>
+          <p:cNvPr id="14" name="圖片 13"/>
+          <p:cNvPicPr>
+            <a:picLocks noChangeAspect="1"/>
+          </p:cNvPicPr>
+          <p:nvPr/>
+        </p:nvPicPr>
+        <p:blipFill rotWithShape="1">
+          <a:blip r:embed="rId4"/>
+          <a:srcRect l="5685" t="30637" r="49328" b="17794"/>
+          <a:stretch/>
+        </p:blipFill>
+        <p:spPr>
+          <a:xfrm>
+            <a:off x="1176950" y="3758643"/>
+            <a:ext cx="4653481" cy="2308633"/>
+          </a:xfrm>
+          <a:prstGeom prst="rect">
+            <a:avLst/>
+          </a:prstGeom>
+        </p:spPr>
+      </p:pic>
+      <p:sp>
+        <p:nvSpPr>
+          <p:cNvPr id="18" name="箭號: 向下 16">
             <a:extLst>
               <a:ext uri="{FF2B5EF4-FFF2-40B4-BE49-F238E27FC236}">
                 <a16:creationId xmlns:a16="http://schemas.microsoft.com/office/drawing/2014/main" id="{1AD891C3-B9AF-411C-8B8B-15B95BF8FB2E}"/>
@@ -4114,9 +4292,9 @@
           <p:nvPr/>
         </p:nvSpPr>
         <p:spPr>
-          <a:xfrm rot="1380000">
-            <a:off x="6316974" y="2444240"/>
-            <a:ext cx="267220" cy="2006495"/>
+          <a:xfrm>
+            <a:off x="6185446" y="2466086"/>
+            <a:ext cx="335052" cy="1411597"/>
           </a:xfrm>
           <a:prstGeom prst="downArrow">
             <a:avLst/>
@@ -4189,10 +4367,10 @@
       </p:sp>
       <p:sp>
         <p:nvSpPr>
-          <p:cNvPr id="16" name="矩形 15">
+          <p:cNvPr id="17" name="箭號: 向下 16">
             <a:extLst>
               <a:ext uri="{FF2B5EF4-FFF2-40B4-BE49-F238E27FC236}">
-                <a16:creationId xmlns:a16="http://schemas.microsoft.com/office/drawing/2014/main" id="{F9ED1024-0DCD-4EF7-96A1-B234E69A37DF}"/>
+                <a16:creationId xmlns:a16="http://schemas.microsoft.com/office/drawing/2014/main" id="{1AD891C3-B9AF-411C-8B8B-15B95BF8FB2E}"/>
               </a:ext>
             </a:extLst>
           </p:cNvPr>
@@ -4201,10 +4379,10 @@
         </p:nvSpPr>
         <p:spPr>
           <a:xfrm>
-            <a:off x="9558208" y="2967937"/>
-            <a:ext cx="1367481" cy="224483"/>
-          </a:xfrm>
-          <a:prstGeom prst="rect">
+            <a:off x="5272339" y="3264214"/>
+            <a:ext cx="323718" cy="1397835"/>
+          </a:xfrm>
+          <a:prstGeom prst="downArrow">
             <a:avLst/>
           </a:prstGeom>
           <a:solidFill>
@@ -4275,131 +4453,23 @@
       </p:sp>
       <p:sp>
         <p:nvSpPr>
-          <p:cNvPr id="2" name="標題 1">
-            <a:extLst>
-              <a:ext uri="{FF2B5EF4-FFF2-40B4-BE49-F238E27FC236}">
-                <a16:creationId xmlns:a16="http://schemas.microsoft.com/office/drawing/2014/main" id="{6A31EC5B-0C67-4062-AAF5-F9058EE35C5D}"/>
-              </a:ext>
-            </a:extLst>
-          </p:cNvPr>
-          <p:cNvSpPr>
-            <a:spLocks noGrp="1"/>
-          </p:cNvSpPr>
-          <p:nvPr>
-            <p:ph type="title"/>
-          </p:nvPr>
-        </p:nvSpPr>
-        <p:spPr>
-          <a:xfrm>
-            <a:off x="1294362" y="1036621"/>
-            <a:ext cx="9603275" cy="979111"/>
-          </a:xfrm>
-        </p:spPr>
-        <p:txBody>
-          <a:bodyPr>
-            <a:normAutofit/>
-          </a:bodyPr>
-          <a:lstStyle/>
-          <a:p>
-            <a:r>
-              <a:rPr lang="en-US" altLang="zh-TW" sz="4400">
-                <a:ea typeface="新細明體"/>
-              </a:rPr>
-              <a:t>(</a:t>
-            </a:r>
-            <a:r>
-              <a:rPr lang="en-US" altLang="zh-TW" sz="4400" smtClean="0">
-                <a:ea typeface="新細明體"/>
-              </a:rPr>
-              <a:t>2019/07/30-2019/08/06)</a:t>
-            </a:r>
-            <a:r>
-              <a:rPr lang="zh-TW" altLang="en-US" sz="4400" dirty="0">
-                <a:ea typeface="新細明體"/>
-              </a:rPr>
-              <a:t>進度：</a:t>
-            </a:r>
-          </a:p>
-        </p:txBody>
-      </p:sp>
-      <p:sp>
-        <p:nvSpPr>
-          <p:cNvPr id="3" name="內容版面配置區 2">
-            <a:extLst>
-              <a:ext uri="{FF2B5EF4-FFF2-40B4-BE49-F238E27FC236}">
-                <a16:creationId xmlns:a16="http://schemas.microsoft.com/office/drawing/2014/main" id="{301C4559-9A8D-4718-8525-03FFBE56A173}"/>
-              </a:ext>
-            </a:extLst>
-          </p:cNvPr>
-          <p:cNvSpPr>
-            <a:spLocks noGrp="1"/>
-          </p:cNvSpPr>
-          <p:nvPr>
-            <p:ph idx="1"/>
-          </p:nvPr>
-        </p:nvSpPr>
-        <p:spPr>
-          <a:xfrm>
-            <a:off x="1451580" y="2015732"/>
-            <a:ext cx="8449673" cy="1349965"/>
-          </a:xfrm>
-        </p:spPr>
-        <p:txBody>
-          <a:bodyPr vert="horz" lIns="91440" tIns="45720" rIns="91440" bIns="45720" rtlCol="0" anchor="t">
-            <a:noAutofit/>
-          </a:bodyPr>
-          <a:lstStyle/>
-          <a:p>
-            <a:r>
-              <a:rPr lang="zh-TW" altLang="en-US" sz="3200">
-                <a:ea typeface="新細明體"/>
-              </a:rPr>
-              <a:t>完成自動折價功能及搜尋商品功能</a:t>
-            </a:r>
-            <a:endParaRPr lang="en-US" altLang="zh-TW" sz="3200">
-              <a:ea typeface="新細明體"/>
-            </a:endParaRPr>
-          </a:p>
-          <a:p>
-            <a:r>
-              <a:rPr lang="zh-TW" altLang="en-US" sz="3200">
-                <a:ea typeface="新細明體"/>
-              </a:rPr>
-              <a:t>設定權限功能(指定不同權限能使用的頁面)</a:t>
-            </a:r>
-          </a:p>
-        </p:txBody>
-      </p:sp>
-      <p:sp>
-        <p:nvSpPr>
-          <p:cNvPr id="6" name="箭號: 向下 5">
-            <a:extLst>
-              <a:ext uri="{FF2B5EF4-FFF2-40B4-BE49-F238E27FC236}">
-                <a16:creationId xmlns:a16="http://schemas.microsoft.com/office/drawing/2014/main" id="{D5A7AD78-E867-4330-BDBA-E3BEE57A91DF}"/>
-              </a:ext>
-            </a:extLst>
-          </p:cNvPr>
+          <p:cNvPr id="19" name="矩形 18"/>
           <p:cNvSpPr/>
           <p:nvPr/>
         </p:nvSpPr>
         <p:spPr>
-          <a:xfrm rot="21540000">
-            <a:off x="10683736" y="2975117"/>
-            <a:ext cx="373603" cy="2125437"/>
-          </a:xfrm>
-          <a:prstGeom prst="downArrow">
+          <a:xfrm>
+            <a:off x="4246685" y="2457032"/>
+            <a:ext cx="2181275" cy="180660"/>
+          </a:xfrm>
+          <a:prstGeom prst="rect">
             <a:avLst/>
           </a:prstGeom>
           <a:solidFill>
             <a:srgbClr val="FF0000"/>
           </a:solidFill>
           <a:ln>
-            <a:solidFill>
-              <a:schemeClr val="accent1">
-                <a:lumMod val="20000"/>
-                <a:lumOff val="80000"/>
-              </a:schemeClr>
-            </a:solidFill>
+            <a:noFill/>
           </a:ln>
         </p:spPr>
         <p:style>
@@ -4419,12 +4489,7 @@
           </a:fontRef>
         </p:style>
         <p:txBody>
-          <a:bodyPr rot="0" spcFirstLastPara="0" vertOverflow="overflow" horzOverflow="overflow" vert="horz" wrap="square" lIns="91440" tIns="45720" rIns="91440" bIns="45720" numCol="1" spcCol="0" rtlCol="0" fromWordArt="0" anchor="ctr" anchorCtr="0" forceAA="0" compatLnSpc="1">
-            <a:prstTxWarp prst="textNoShape">
-              <a:avLst/>
-            </a:prstTxWarp>
-            <a:noAutofit/>
-          </a:bodyPr>
+          <a:bodyPr rtlCol="0" anchor="ctr"/>
           <a:lstStyle/>
           <a:p>
             <a:pPr algn="ctr"/>
@@ -4456,35 +4521,76 @@
           </a:p>
         </p:txBody>
       </p:sp>
-      <p:pic>
-        <p:nvPicPr>
-          <p:cNvPr id="9" name="圖片 9" descr="一張含有 螢幕擷取畫面 的圖片&#10;&#10;描述是以非常高的可信度產生">
-            <a:extLst>
-              <a:ext uri="{FF2B5EF4-FFF2-40B4-BE49-F238E27FC236}">
-                <a16:creationId xmlns:a16="http://schemas.microsoft.com/office/drawing/2014/main" id="{0048DEE2-03DA-405C-AEBD-529E10D117F3}"/>
-              </a:ext>
-            </a:extLst>
-          </p:cNvPr>
-          <p:cNvPicPr>
-            <a:picLocks noChangeAspect="1"/>
-          </p:cNvPicPr>
+      <p:sp>
+        <p:nvSpPr>
+          <p:cNvPr id="20" name="矩形 19"/>
+          <p:cNvSpPr/>
           <p:nvPr/>
-        </p:nvPicPr>
-        <p:blipFill rotWithShape="1">
-          <a:blip r:embed="rId4"/>
-          <a:srcRect t="14153" r="2513" b="28538"/>
-          <a:stretch/>
-        </p:blipFill>
+        </p:nvSpPr>
         <p:spPr>
           <a:xfrm>
-            <a:off x="5095102" y="5072994"/>
-            <a:ext cx="5986980" cy="2541617"/>
+            <a:off x="4988690" y="3187350"/>
+            <a:ext cx="515295" cy="188896"/>
           </a:xfrm>
           <a:prstGeom prst="rect">
             <a:avLst/>
           </a:prstGeom>
-        </p:spPr>
-      </p:pic>
+          <a:solidFill>
+            <a:srgbClr val="FF0000"/>
+          </a:solidFill>
+          <a:ln>
+            <a:noFill/>
+          </a:ln>
+        </p:spPr>
+        <p:style>
+          <a:lnRef idx="2">
+            <a:schemeClr val="accent1">
+              <a:shade val="50000"/>
+            </a:schemeClr>
+          </a:lnRef>
+          <a:fillRef idx="1">
+            <a:schemeClr val="accent1"/>
+          </a:fillRef>
+          <a:effectRef idx="0">
+            <a:schemeClr val="accent1"/>
+          </a:effectRef>
+          <a:fontRef idx="minor">
+            <a:schemeClr val="lt1"/>
+          </a:fontRef>
+        </p:style>
+        <p:txBody>
+          <a:bodyPr rtlCol="0" anchor="ctr"/>
+          <a:lstStyle/>
+          <a:p>
+            <a:pPr algn="ctr"/>
+            <a:endParaRPr lang="zh-TW" altLang="en-US">
+              <a:ln w="0"/>
+              <a:gradFill>
+                <a:gsLst>
+                  <a:gs pos="0">
+                    <a:schemeClr val="accent5">
+                      <a:lumMod val="50000"/>
+                    </a:schemeClr>
+                  </a:gs>
+                  <a:gs pos="50000">
+                    <a:schemeClr val="accent5"/>
+                  </a:gs>
+                  <a:gs pos="100000">
+                    <a:schemeClr val="accent5">
+                      <a:lumMod val="60000"/>
+                      <a:lumOff val="40000"/>
+                    </a:schemeClr>
+                  </a:gs>
+                </a:gsLst>
+                <a:lin ang="5400000"/>
+              </a:gradFill>
+              <a:effectLst>
+                <a:reflection blurRad="6350" stA="53000" endA="300" endPos="35500" dir="5400000" sy="-90000" algn="bl" rotWithShape="0"/>
+              </a:effectLst>
+            </a:endParaRPr>
+          </a:p>
+        </p:txBody>
+      </p:sp>
     </p:spTree>
     <p:extLst>
       <p:ext uri="{BB962C8B-B14F-4D97-AF65-F5344CB8AC3E}">
@@ -4495,6 +4601,143 @@
   <p:clrMapOvr>
     <a:masterClrMapping/>
   </p:clrMapOvr>
+  <p:timing>
+    <p:tnLst>
+      <p:par>
+        <p:cTn id="1" dur="indefinite" restart="never" nodeType="tmRoot"/>
+      </p:par>
+    </p:tnLst>
+  </p:timing>
+</p:sld>
+</file>
+
+<file path=ppt/slides/slide4.xml><?xml version="1.0" encoding="utf-8"?>
+<p:sld xmlns:a="http://schemas.openxmlformats.org/drawingml/2006/main" xmlns:r="http://schemas.openxmlformats.org/officeDocument/2006/relationships" xmlns:p="http://schemas.openxmlformats.org/presentationml/2006/main">
+  <p:cSld>
+    <p:spTree>
+      <p:nvGrpSpPr>
+        <p:cNvPr id="1" name=""/>
+        <p:cNvGrpSpPr/>
+        <p:nvPr/>
+      </p:nvGrpSpPr>
+      <p:grpSpPr>
+        <a:xfrm>
+          <a:off x="0" y="0"/>
+          <a:ext cx="0" cy="0"/>
+          <a:chOff x="0" y="0"/>
+          <a:chExt cx="0" cy="0"/>
+        </a:xfrm>
+      </p:grpSpPr>
+      <p:sp>
+        <p:nvSpPr>
+          <p:cNvPr id="2" name="標題 1">
+            <a:extLst>
+              <a:ext uri="{FF2B5EF4-FFF2-40B4-BE49-F238E27FC236}">
+                <a16:creationId xmlns:a16="http://schemas.microsoft.com/office/drawing/2014/main" id="{1262A83D-173D-4F68-8160-CC4B17CC9D9C}"/>
+              </a:ext>
+            </a:extLst>
+          </p:cNvPr>
+          <p:cNvSpPr>
+            <a:spLocks noGrp="1"/>
+          </p:cNvSpPr>
+          <p:nvPr>
+            <p:ph type="ctrTitle"/>
+          </p:nvPr>
+        </p:nvSpPr>
+        <p:spPr>
+          <a:xfrm>
+            <a:off x="2417780" y="1857375"/>
+            <a:ext cx="8637073" cy="1334233"/>
+          </a:xfrm>
+        </p:spPr>
+        <p:txBody>
+          <a:bodyPr/>
+          <a:lstStyle/>
+          <a:p>
+            <a:r>
+              <a:rPr lang="zh-TW" altLang="en-US" dirty="0" smtClean="0"/>
+              <a:t>下周預期進度</a:t>
+            </a:r>
+            <a:endParaRPr lang="zh-TW" altLang="en-US" dirty="0"/>
+          </a:p>
+        </p:txBody>
+      </p:sp>
+      <p:sp>
+        <p:nvSpPr>
+          <p:cNvPr id="3" name="副標題 2">
+            <a:extLst>
+              <a:ext uri="{FF2B5EF4-FFF2-40B4-BE49-F238E27FC236}">
+                <a16:creationId xmlns:a16="http://schemas.microsoft.com/office/drawing/2014/main" id="{E1714C2C-4F4E-44F4-AE34-D97CECC812DE}"/>
+              </a:ext>
+            </a:extLst>
+          </p:cNvPr>
+          <p:cNvSpPr>
+            <a:spLocks noGrp="1"/>
+          </p:cNvSpPr>
+          <p:nvPr>
+            <p:ph type="subTitle" idx="1"/>
+          </p:nvPr>
+        </p:nvSpPr>
+        <p:spPr>
+          <a:xfrm>
+            <a:off x="2417780" y="3531204"/>
+            <a:ext cx="8637072" cy="1867273"/>
+          </a:xfrm>
+        </p:spPr>
+        <p:txBody>
+          <a:bodyPr vert="horz" lIns="91440" tIns="45720" rIns="91440" bIns="45720" rtlCol="0" anchor="t">
+            <a:noAutofit/>
+          </a:bodyPr>
+          <a:lstStyle/>
+          <a:p>
+            <a:pPr marL="514350" indent="-514350">
+              <a:buFont typeface="+mj-lt"/>
+              <a:buAutoNum type="arabicPeriod"/>
+            </a:pPr>
+            <a:r>
+              <a:rPr lang="zh-TW" altLang="en-US" sz="3200" dirty="0">
+                <a:ea typeface="新細明體"/>
+              </a:rPr>
+              <a:t>規劃使用者資料庫</a:t>
+            </a:r>
+            <a:endParaRPr lang="en-US" altLang="zh-TW" sz="3200" dirty="0">
+              <a:ea typeface="新細明體"/>
+            </a:endParaRPr>
+          </a:p>
+          <a:p>
+            <a:pPr marL="514350" indent="-514350">
+              <a:buFont typeface="+mj-lt"/>
+              <a:buAutoNum type="arabicPeriod"/>
+            </a:pPr>
+            <a:r>
+              <a:rPr lang="zh-TW" altLang="en-US" sz="3200" dirty="0">
+                <a:ea typeface="新細明體"/>
+              </a:rPr>
+              <a:t>並與現行的資料庫做合併</a:t>
+            </a:r>
+            <a:endParaRPr lang="zh-TW" altLang="en-US" sz="3200" dirty="0">
+              <a:ea typeface="新細明體"/>
+            </a:endParaRPr>
+          </a:p>
+        </p:txBody>
+      </p:sp>
+    </p:spTree>
+    <p:extLst>
+      <p:ext uri="{BB962C8B-B14F-4D97-AF65-F5344CB8AC3E}">
+        <p14:creationId xmlns:p14="http://schemas.microsoft.com/office/powerpoint/2010/main" val="263381913"/>
+      </p:ext>
+    </p:extLst>
+  </p:cSld>
+  <p:clrMapOvr>
+    <a:masterClrMapping/>
+  </p:clrMapOvr>
+  <p:timing>
+    <p:tnLst>
+      <p:par>
+        <p:cTn id="1" dur="indefinite" restart="never" nodeType="tmRoot"/>
+      </p:par>
+    </p:tnLst>
+  </p:timing>
 </p:sld>
 </file>
 
@@ -4752,6 +4995,21 @@
 </file>
 
 <file path=customXml/item1.xml><?xml version="1.0" encoding="utf-8"?>
+<?mso-contentType ?>
+<FormTemplates xmlns="http://schemas.microsoft.com/sharepoint/v3/contenttype/forms">
+  <Display>DocumentLibraryForm</Display>
+  <Edit>DocumentLibraryForm</Edit>
+  <New>DocumentLibraryForm</New>
+</FormTemplates>
+</file>
+
+<file path=customXml/item2.xml><?xml version="1.0" encoding="utf-8"?>
+<p:properties xmlns:p="http://schemas.microsoft.com/office/2006/metadata/properties" xmlns:xsi="http://www.w3.org/2001/XMLSchema-instance" xmlns:pc="http://schemas.microsoft.com/office/infopath/2007/PartnerControls">
+  <documentManagement/>
+</p:properties>
+</file>
+
+<file path=customXml/item3.xml><?xml version="1.0" encoding="utf-8"?>
 <ct:contentTypeSchema xmlns:ct="http://schemas.microsoft.com/office/2006/metadata/contentType" xmlns:ma="http://schemas.microsoft.com/office/2006/metadata/properties/metaAttributes" ct:_="" ma:_="" ma:contentTypeName="文件" ma:contentTypeID="0x0101008459A0A17249BA489AB8E239BBBAF080" ma:contentTypeVersion="6" ma:contentTypeDescription="建立新的文件。" ma:contentTypeScope="" ma:versionID="8ae6056eadc4f818d3e1a3552d15997d">
   <xsd:schema xmlns:xsd="http://www.w3.org/2001/XMLSchema" xmlns:xs="http://www.w3.org/2001/XMLSchema" xmlns:p="http://schemas.microsoft.com/office/2006/metadata/properties" xmlns:ns2="a300ae46-c96c-4fd0-90ec-9021b7e316a0" targetNamespace="http://schemas.microsoft.com/office/2006/metadata/properties" ma:root="true" ma:fieldsID="16d7e85f124a5a34cb7ec3154cac84f8" ns2:_="">
     <xsd:import namespace="a300ae46-c96c-4fd0-90ec-9021b7e316a0"/>
@@ -4909,22 +5167,24 @@
 </ct:contentTypeSchema>
 </file>
 
-<file path=customXml/item2.xml><?xml version="1.0" encoding="utf-8"?>
-<p:properties xmlns:p="http://schemas.microsoft.com/office/2006/metadata/properties" xmlns:xsi="http://www.w3.org/2001/XMLSchema-instance" xmlns:pc="http://schemas.microsoft.com/office/infopath/2007/PartnerControls">
-  <documentManagement/>
-</p:properties>
+<file path=customXml/itemProps1.xml><?xml version="1.0" encoding="utf-8"?>
+<ds:datastoreItem xmlns:ds="http://schemas.openxmlformats.org/officeDocument/2006/customXml" ds:itemID="{53B40869-ADBF-430B-A34B-4817E14A1330}">
+  <ds:schemaRefs>
+    <ds:schemaRef ds:uri="http://schemas.microsoft.com/sharepoint/v3/contenttype/forms"/>
+  </ds:schemaRefs>
+</ds:datastoreItem>
 </file>
 
-<file path=customXml/item3.xml><?xml version="1.0" encoding="utf-8"?>
-<?mso-contentType ?>
-<FormTemplates xmlns="http://schemas.microsoft.com/sharepoint/v3/contenttype/forms">
-  <Display>DocumentLibraryForm</Display>
-  <Edit>DocumentLibraryForm</Edit>
-  <New>DocumentLibraryForm</New>
-</FormTemplates>
+<file path=customXml/itemProps2.xml><?xml version="1.0" encoding="utf-8"?>
+<ds:datastoreItem xmlns:ds="http://schemas.openxmlformats.org/officeDocument/2006/customXml" ds:itemID="{A648AF75-3CD4-45AE-AE83-11FE574EA16B}">
+  <ds:schemaRefs>
+    <ds:schemaRef ds:uri="http://schemas.microsoft.com/office/2006/metadata/properties"/>
+    <ds:schemaRef ds:uri="http://schemas.microsoft.com/office/infopath/2007/PartnerControls"/>
+  </ds:schemaRefs>
+</ds:datastoreItem>
 </file>
 
-<file path=customXml/itemProps1.xml><?xml version="1.0" encoding="utf-8"?>
+<file path=customXml/itemProps3.xml><?xml version="1.0" encoding="utf-8"?>
 <ds:datastoreItem xmlns:ds="http://schemas.openxmlformats.org/officeDocument/2006/customXml" ds:itemID="{8F04452E-A7A9-4DEC-8B87-AF13FADD85CE}">
   <ds:schemaRefs>
     <ds:schemaRef ds:uri="a300ae46-c96c-4fd0-90ec-9021b7e316a0"/>
@@ -4940,21 +5200,4 @@
     <ds:schemaRef ds:uri="http://www.w3.org/2001/XMLSchema"/>
   </ds:schemaRefs>
 </ds:datastoreItem>
-</file>
-
-<file path=customXml/itemProps2.xml><?xml version="1.0" encoding="utf-8"?>
-<ds:datastoreItem xmlns:ds="http://schemas.openxmlformats.org/officeDocument/2006/customXml" ds:itemID="{A648AF75-3CD4-45AE-AE83-11FE574EA16B}">
-  <ds:schemaRefs>
-    <ds:schemaRef ds:uri="http://schemas.microsoft.com/office/2006/metadata/properties"/>
-    <ds:schemaRef ds:uri="http://schemas.microsoft.com/office/infopath/2007/PartnerControls"/>
-  </ds:schemaRefs>
-</ds:datastoreItem>
-</file>
-
-<file path=customXml/itemProps3.xml><?xml version="1.0" encoding="utf-8"?>
-<ds:datastoreItem xmlns:ds="http://schemas.openxmlformats.org/officeDocument/2006/customXml" ds:itemID="{53B40869-ADBF-430B-A34B-4817E14A1330}">
-  <ds:schemaRefs>
-    <ds:schemaRef ds:uri="http://schemas.microsoft.com/sharepoint/v3/contenttype/forms"/>
-  </ds:schemaRefs>
-</ds:datastoreItem>
 </file>